--- a/scripts/helper_files/Risk-Map-Slides-Template.pptx
+++ b/scripts/helper_files/Risk-Map-Slides-Template.pptx
@@ -7,6 +7,9 @@
   <p:notesMasterIdLst>
     <p:notesMasterId r:id="rId2"/>
   </p:notesMasterIdLst>
+  <p:handoutMasterIdLst>
+    <p:handoutMasterId r:id="rId3"/>
+  </p:handoutMasterIdLst>
   <p:sldSz cx="12192000" cy="6858000"/>
   <p:notesSz cx="6858000" cy="9144000"/>
   <p:defaultTextStyle>
@@ -108,8 +111,200 @@
     <p:ext uri="{EFAFB233-063F-42B5-8137-9DF3F51BA10A}">
       <p15:sldGuideLst xmlns:p15="http://schemas.microsoft.com/office/powerpoint/2012/main"/>
     </p:ext>
+    <p:ext uri="{2D200454-40CA-4A62-9FC3-DE9A4176ACB9}">
+      <p15:notesGuideLst xmlns:p15="http://schemas.microsoft.com/office/powerpoint/2012/main"/>
+    </p:ext>
   </p:extLst>
 </p:presentation>
+</file>
+
+<file path=ppt/handoutMasters/handoutMaster1.xml><?xml version="1.0" encoding="utf-8"?>
+<p:handoutMaster xmlns:a="http://schemas.openxmlformats.org/drawingml/2006/main" xmlns:r="http://schemas.openxmlformats.org/officeDocument/2006/relationships" xmlns:p="http://schemas.openxmlformats.org/presentationml/2006/main">
+  <p:cSld>
+    <p:bg>
+      <p:bgRef idx="1001">
+        <a:schemeClr val="bg1"/>
+      </p:bgRef>
+    </p:bg>
+    <p:spTree>
+      <p:nvGrpSpPr>
+        <p:cNvPr id="1" name=""/>
+        <p:cNvGrpSpPr/>
+        <p:nvPr/>
+      </p:nvGrpSpPr>
+      <p:grpSpPr>
+        <a:xfrm>
+          <a:off x="0" y="0"/>
+          <a:ext cx="0" cy="0"/>
+          <a:chOff x="0" y="0"/>
+          <a:chExt cx="0" cy="0"/>
+        </a:xfrm>
+      </p:grpSpPr>
+      <p:sp>
+        <p:nvSpPr>
+          <p:cNvPr id="2" name="Header Placeholder 1">
+            <a:extLst>
+              <a:ext uri="{FF2B5EF4-FFF2-40B4-BE49-F238E27FC236}">
+                <a16:creationId xmlns:a16="http://schemas.microsoft.com/office/drawing/2014/main" id="{4981B04E-F400-4EBE-9739-E86525454EB7}"/>
+              </a:ext>
+            </a:extLst>
+          </p:cNvPr>
+          <p:cNvSpPr>
+            <a:spLocks noGrp="1"/>
+          </p:cNvSpPr>
+          <p:nvPr>
+            <p:ph type="hdr" sz="quarter"/>
+          </p:nvPr>
+        </p:nvSpPr>
+        <p:spPr>
+          <a:xfrm>
+            <a:off x="0" y="0"/>
+            <a:ext cx="2971800" cy="458788"/>
+          </a:xfrm>
+          <a:prstGeom prst="rect">
+            <a:avLst/>
+          </a:prstGeom>
+        </p:spPr>
+        <p:txBody>
+          <a:bodyPr vert="horz" lIns="91440" tIns="45720" rIns="91440" bIns="45720" rtlCol="0"/>
+          <a:lstStyle>
+            <a:lvl1pPr algn="l">
+              <a:defRPr sz="1200"/>
+            </a:lvl1pPr>
+          </a:lstStyle>
+          <a:p>
+            <a:endParaRPr lang="en-US"/>
+          </a:p>
+        </p:txBody>
+      </p:sp>
+      <p:sp>
+        <p:nvSpPr>
+          <p:cNvPr id="3" name="Date Placeholder 2">
+            <a:extLst>
+              <a:ext uri="{FF2B5EF4-FFF2-40B4-BE49-F238E27FC236}">
+                <a16:creationId xmlns:a16="http://schemas.microsoft.com/office/drawing/2014/main" id="{0AB54544-F585-47C4-A9A2-D2102CA65675}"/>
+              </a:ext>
+            </a:extLst>
+          </p:cNvPr>
+          <p:cNvSpPr>
+            <a:spLocks noGrp="1"/>
+          </p:cNvSpPr>
+          <p:nvPr>
+            <p:ph type="dt" sz="quarter" idx="1"/>
+          </p:nvPr>
+        </p:nvSpPr>
+        <p:spPr>
+          <a:xfrm>
+            <a:off x="3884613" y="0"/>
+            <a:ext cx="2971800" cy="458788"/>
+          </a:xfrm>
+          <a:prstGeom prst="rect">
+            <a:avLst/>
+          </a:prstGeom>
+        </p:spPr>
+        <p:txBody>
+          <a:bodyPr vert="horz" lIns="91440" tIns="45720" rIns="91440" bIns="45720" rtlCol="0"/>
+          <a:lstStyle>
+            <a:lvl1pPr algn="r">
+              <a:defRPr sz="1200"/>
+            </a:lvl1pPr>
+          </a:lstStyle>
+          <a:p>
+            <a:fld id="{E1EDD65B-155A-4086-A4C4-B35FD5C437C7}" type="datetimeFigureOut">
+              <a:rPr lang="en-US" smtClean="0"/>
+              <a:t>12/24/2020</a:t>
+            </a:fld>
+            <a:endParaRPr lang="en-US"/>
+          </a:p>
+        </p:txBody>
+      </p:sp>
+      <p:sp>
+        <p:nvSpPr>
+          <p:cNvPr id="4" name="Footer Placeholder 3">
+            <a:extLst>
+              <a:ext uri="{FF2B5EF4-FFF2-40B4-BE49-F238E27FC236}">
+                <a16:creationId xmlns:a16="http://schemas.microsoft.com/office/drawing/2014/main" id="{2B3C700A-8C12-44E1-81FB-546C72218D98}"/>
+              </a:ext>
+            </a:extLst>
+          </p:cNvPr>
+          <p:cNvSpPr>
+            <a:spLocks noGrp="1"/>
+          </p:cNvSpPr>
+          <p:nvPr>
+            <p:ph type="ftr" sz="quarter" idx="2"/>
+          </p:nvPr>
+        </p:nvSpPr>
+        <p:spPr>
+          <a:xfrm>
+            <a:off x="0" y="8685213"/>
+            <a:ext cx="2971800" cy="458787"/>
+          </a:xfrm>
+          <a:prstGeom prst="rect">
+            <a:avLst/>
+          </a:prstGeom>
+        </p:spPr>
+        <p:txBody>
+          <a:bodyPr vert="horz" lIns="91440" tIns="45720" rIns="91440" bIns="45720" rtlCol="0" anchor="b"/>
+          <a:lstStyle>
+            <a:lvl1pPr algn="l">
+              <a:defRPr sz="1200"/>
+            </a:lvl1pPr>
+          </a:lstStyle>
+          <a:p>
+            <a:endParaRPr lang="en-US"/>
+          </a:p>
+        </p:txBody>
+      </p:sp>
+      <p:sp>
+        <p:nvSpPr>
+          <p:cNvPr id="5" name="Slide Number Placeholder 4">
+            <a:extLst>
+              <a:ext uri="{FF2B5EF4-FFF2-40B4-BE49-F238E27FC236}">
+                <a16:creationId xmlns:a16="http://schemas.microsoft.com/office/drawing/2014/main" id="{40E1DC85-C07A-4622-82CE-1AB945403855}"/>
+              </a:ext>
+            </a:extLst>
+          </p:cNvPr>
+          <p:cNvSpPr>
+            <a:spLocks noGrp="1"/>
+          </p:cNvSpPr>
+          <p:nvPr>
+            <p:ph type="sldNum" sz="quarter" idx="3"/>
+          </p:nvPr>
+        </p:nvSpPr>
+        <p:spPr>
+          <a:xfrm>
+            <a:off x="3884613" y="8685213"/>
+            <a:ext cx="2971800" cy="458787"/>
+          </a:xfrm>
+          <a:prstGeom prst="rect">
+            <a:avLst/>
+          </a:prstGeom>
+        </p:spPr>
+        <p:txBody>
+          <a:bodyPr vert="horz" lIns="91440" tIns="45720" rIns="91440" bIns="45720" rtlCol="0" anchor="b"/>
+          <a:lstStyle>
+            <a:lvl1pPr algn="r">
+              <a:defRPr sz="1200"/>
+            </a:lvl1pPr>
+          </a:lstStyle>
+          <a:p>
+            <a:fld id="{1015F036-B8F6-4A67-B561-6DA374D81BD7}" type="slidenum">
+              <a:rPr lang="en-US" smtClean="0"/>
+              <a:t>‹#›</a:t>
+            </a:fld>
+            <a:endParaRPr lang="en-US"/>
+          </a:p>
+        </p:txBody>
+      </p:sp>
+    </p:spTree>
+    <p:extLst>
+      <p:ext uri="{BB962C8B-B14F-4D97-AF65-F5344CB8AC3E}">
+        <p14:creationId xmlns:p14="http://schemas.microsoft.com/office/powerpoint/2010/main" val="3614899860"/>
+      </p:ext>
+    </p:extLst>
+  </p:cSld>
+  <p:clrMap bg1="lt1" tx1="dk1" bg2="lt2" tx2="dk2" accent1="accent1" accent2="accent2" accent3="accent3" accent4="accent4" accent5="accent5" accent6="accent6" hlink="hlink" folHlink="folHlink"/>
+</p:handoutMaster>
 </file>
 
 <file path=ppt/notesMasters/notesMaster1.xml><?xml version="1.0" encoding="utf-8"?>
@@ -194,7 +389,7 @@
           <a:p>
             <a:fld id="{C4D982AD-0C69-4591-8A56-66EED68B8D5B}" type="datetimeFigureOut">
               <a:rPr lang="en-US" smtClean="0"/>
-              <a:t>12/8/2020</a:t>
+              <a:t>12/24/2020</a:t>
             </a:fld>
             <a:endParaRPr lang="en-US"/>
           </a:p>
@@ -601,7 +796,15 @@
             <p:ph type="ftr" sz="quarter" idx="11"/>
           </p:nvPr>
         </p:nvSpPr>
-        <p:spPr/>
+        <p:spPr>
+          <a:xfrm>
+            <a:off x="4038600" y="6356350"/>
+            <a:ext cx="4114800" cy="365125"/>
+          </a:xfrm>
+          <a:prstGeom prst="rect">
+            <a:avLst/>
+          </a:prstGeom>
+        </p:spPr>
         <p:txBody>
           <a:bodyPr/>
           <a:lstStyle/>
@@ -626,7 +829,15 @@
             <p:ph type="sldNum" sz="quarter" idx="12"/>
           </p:nvPr>
         </p:nvSpPr>
-        <p:spPr/>
+        <p:spPr>
+          <a:xfrm>
+            <a:off x="8610600" y="6356350"/>
+            <a:ext cx="2743200" cy="365125"/>
+          </a:xfrm>
+          <a:prstGeom prst="rect">
+            <a:avLst/>
+          </a:prstGeom>
+        </p:spPr>
         <p:txBody>
           <a:bodyPr/>
           <a:lstStyle/>
@@ -687,7 +898,7 @@
             <a:fld id="{EA116FA8-12ED-4DB7-9E1C-8D8E5107CE88}" type="datetime8">
               <a:rPr lang="en-US" smtClean="0"/>
               <a:pPr/>
-              <a:t>12/8/2020 3:53 PM</a:t>
+              <a:t>12/24/2020 10:11 AM</a:t>
             </a:fld>
             <a:endParaRPr lang="en-US" dirty="0"/>
           </a:p>
@@ -827,7 +1038,15 @@
             <p:ph type="ftr" sz="quarter" idx="11"/>
           </p:nvPr>
         </p:nvSpPr>
-        <p:spPr/>
+        <p:spPr>
+          <a:xfrm>
+            <a:off x="4038600" y="6356350"/>
+            <a:ext cx="4114800" cy="365125"/>
+          </a:xfrm>
+          <a:prstGeom prst="rect">
+            <a:avLst/>
+          </a:prstGeom>
+        </p:spPr>
         <p:txBody>
           <a:bodyPr/>
           <a:lstStyle/>
@@ -852,7 +1071,15 @@
             <p:ph type="sldNum" sz="quarter" idx="12"/>
           </p:nvPr>
         </p:nvSpPr>
-        <p:spPr/>
+        <p:spPr>
+          <a:xfrm>
+            <a:off x="8610600" y="6356350"/>
+            <a:ext cx="2743200" cy="365125"/>
+          </a:xfrm>
+          <a:prstGeom prst="rect">
+            <a:avLst/>
+          </a:prstGeom>
+        </p:spPr>
         <p:txBody>
           <a:bodyPr/>
           <a:lstStyle/>
@@ -913,7 +1140,7 @@
             <a:fld id="{EA116FA8-12ED-4DB7-9E1C-8D8E5107CE88}" type="datetime8">
               <a:rPr lang="en-US" smtClean="0"/>
               <a:pPr/>
-              <a:t>12/8/2020 3:53 PM</a:t>
+              <a:t>12/24/2020 10:11 AM</a:t>
             </a:fld>
             <a:endParaRPr lang="en-US" dirty="0"/>
           </a:p>
@@ -1063,7 +1290,15 @@
             <p:ph type="ftr" sz="quarter" idx="11"/>
           </p:nvPr>
         </p:nvSpPr>
-        <p:spPr/>
+        <p:spPr>
+          <a:xfrm>
+            <a:off x="4038600" y="6356350"/>
+            <a:ext cx="4114800" cy="365125"/>
+          </a:xfrm>
+          <a:prstGeom prst="rect">
+            <a:avLst/>
+          </a:prstGeom>
+        </p:spPr>
         <p:txBody>
           <a:bodyPr/>
           <a:lstStyle/>
@@ -1088,7 +1323,15 @@
             <p:ph type="sldNum" sz="quarter" idx="12"/>
           </p:nvPr>
         </p:nvSpPr>
-        <p:spPr/>
+        <p:spPr>
+          <a:xfrm>
+            <a:off x="8610600" y="6356350"/>
+            <a:ext cx="2743200" cy="365125"/>
+          </a:xfrm>
+          <a:prstGeom prst="rect">
+            <a:avLst/>
+          </a:prstGeom>
+        </p:spPr>
         <p:txBody>
           <a:bodyPr/>
           <a:lstStyle/>
@@ -1149,7 +1392,7 @@
             <a:fld id="{EA116FA8-12ED-4DB7-9E1C-8D8E5107CE88}" type="datetime8">
               <a:rPr lang="en-US" smtClean="0"/>
               <a:pPr/>
-              <a:t>12/8/2020 3:53 PM</a:t>
+              <a:t>12/24/2020 10:11 AM</a:t>
             </a:fld>
             <a:endParaRPr lang="en-US" dirty="0"/>
           </a:p>
@@ -1289,7 +1532,15 @@
             <p:ph type="ftr" sz="quarter" idx="11"/>
           </p:nvPr>
         </p:nvSpPr>
-        <p:spPr/>
+        <p:spPr>
+          <a:xfrm>
+            <a:off x="4038600" y="6356350"/>
+            <a:ext cx="4114800" cy="365125"/>
+          </a:xfrm>
+          <a:prstGeom prst="rect">
+            <a:avLst/>
+          </a:prstGeom>
+        </p:spPr>
         <p:txBody>
           <a:bodyPr/>
           <a:lstStyle/>
@@ -1314,7 +1565,15 @@
             <p:ph type="sldNum" sz="quarter" idx="12"/>
           </p:nvPr>
         </p:nvSpPr>
-        <p:spPr/>
+        <p:spPr>
+          <a:xfrm>
+            <a:off x="8610600" y="6356350"/>
+            <a:ext cx="2743200" cy="365125"/>
+          </a:xfrm>
+          <a:prstGeom prst="rect">
+            <a:avLst/>
+          </a:prstGeom>
+        </p:spPr>
         <p:txBody>
           <a:bodyPr/>
           <a:lstStyle/>
@@ -1375,7 +1634,7 @@
             <a:fld id="{EA116FA8-12ED-4DB7-9E1C-8D8E5107CE88}" type="datetime8">
               <a:rPr lang="en-US" smtClean="0"/>
               <a:pPr/>
-              <a:t>12/8/2020 3:53 PM</a:t>
+              <a:t>12/24/2020 10:11 AM</a:t>
             </a:fld>
             <a:endParaRPr lang="en-US" dirty="0"/>
           </a:p>
@@ -1592,7 +1851,15 @@
             <p:ph type="ftr" sz="quarter" idx="11"/>
           </p:nvPr>
         </p:nvSpPr>
-        <p:spPr/>
+        <p:spPr>
+          <a:xfrm>
+            <a:off x="4038600" y="6356350"/>
+            <a:ext cx="4114800" cy="365125"/>
+          </a:xfrm>
+          <a:prstGeom prst="rect">
+            <a:avLst/>
+          </a:prstGeom>
+        </p:spPr>
         <p:txBody>
           <a:bodyPr/>
           <a:lstStyle/>
@@ -1617,7 +1884,15 @@
             <p:ph type="sldNum" sz="quarter" idx="12"/>
           </p:nvPr>
         </p:nvSpPr>
-        <p:spPr/>
+        <p:spPr>
+          <a:xfrm>
+            <a:off x="8610600" y="6356350"/>
+            <a:ext cx="2743200" cy="365125"/>
+          </a:xfrm>
+          <a:prstGeom prst="rect">
+            <a:avLst/>
+          </a:prstGeom>
+        </p:spPr>
         <p:txBody>
           <a:bodyPr/>
           <a:lstStyle/>
@@ -1678,7 +1953,7 @@
             <a:fld id="{EA116FA8-12ED-4DB7-9E1C-8D8E5107CE88}" type="datetime8">
               <a:rPr lang="en-US" smtClean="0"/>
               <a:pPr/>
-              <a:t>12/8/2020 3:53 PM</a:t>
+              <a:t>12/24/2020 10:11 AM</a:t>
             </a:fld>
             <a:endParaRPr lang="en-US" dirty="0"/>
           </a:p>
@@ -1885,7 +2160,15 @@
             <p:ph type="ftr" sz="quarter" idx="11"/>
           </p:nvPr>
         </p:nvSpPr>
-        <p:spPr/>
+        <p:spPr>
+          <a:xfrm>
+            <a:off x="4038600" y="6356350"/>
+            <a:ext cx="4114800" cy="365125"/>
+          </a:xfrm>
+          <a:prstGeom prst="rect">
+            <a:avLst/>
+          </a:prstGeom>
+        </p:spPr>
         <p:txBody>
           <a:bodyPr/>
           <a:lstStyle/>
@@ -1910,7 +2193,15 @@
             <p:ph type="sldNum" sz="quarter" idx="12"/>
           </p:nvPr>
         </p:nvSpPr>
-        <p:spPr/>
+        <p:spPr>
+          <a:xfrm>
+            <a:off x="8610600" y="6356350"/>
+            <a:ext cx="2743200" cy="365125"/>
+          </a:xfrm>
+          <a:prstGeom prst="rect">
+            <a:avLst/>
+          </a:prstGeom>
+        </p:spPr>
         <p:txBody>
           <a:bodyPr/>
           <a:lstStyle/>
@@ -1971,7 +2262,7 @@
             <a:fld id="{EA116FA8-12ED-4DB7-9E1C-8D8E5107CE88}" type="datetime8">
               <a:rPr lang="en-US" smtClean="0"/>
               <a:pPr/>
-              <a:t>12/8/2020 3:53 PM</a:t>
+              <a:t>12/24/2020 10:11 AM</a:t>
             </a:fld>
             <a:endParaRPr lang="en-US" dirty="0"/>
           </a:p>
@@ -2325,7 +2616,15 @@
             <p:ph type="ftr" sz="quarter" idx="11"/>
           </p:nvPr>
         </p:nvSpPr>
-        <p:spPr/>
+        <p:spPr>
+          <a:xfrm>
+            <a:off x="4038600" y="6356350"/>
+            <a:ext cx="4114800" cy="365125"/>
+          </a:xfrm>
+          <a:prstGeom prst="rect">
+            <a:avLst/>
+          </a:prstGeom>
+        </p:spPr>
         <p:txBody>
           <a:bodyPr/>
           <a:lstStyle/>
@@ -2350,7 +2649,15 @@
             <p:ph type="sldNum" sz="quarter" idx="12"/>
           </p:nvPr>
         </p:nvSpPr>
-        <p:spPr/>
+        <p:spPr>
+          <a:xfrm>
+            <a:off x="8610600" y="6356350"/>
+            <a:ext cx="2743200" cy="365125"/>
+          </a:xfrm>
+          <a:prstGeom prst="rect">
+            <a:avLst/>
+          </a:prstGeom>
+        </p:spPr>
         <p:txBody>
           <a:bodyPr/>
           <a:lstStyle/>
@@ -2411,7 +2718,7 @@
             <a:fld id="{EA116FA8-12ED-4DB7-9E1C-8D8E5107CE88}" type="datetime8">
               <a:rPr lang="en-US" smtClean="0"/>
               <a:pPr/>
-              <a:t>12/8/2020 3:53 PM</a:t>
+              <a:t>12/24/2020 10:11 AM</a:t>
             </a:fld>
             <a:endParaRPr lang="en-US" dirty="0"/>
           </a:p>
@@ -2494,7 +2801,15 @@
             <p:ph type="ftr" sz="quarter" idx="11"/>
           </p:nvPr>
         </p:nvSpPr>
-        <p:spPr/>
+        <p:spPr>
+          <a:xfrm>
+            <a:off x="4038600" y="6356350"/>
+            <a:ext cx="4114800" cy="365125"/>
+          </a:xfrm>
+          <a:prstGeom prst="rect">
+            <a:avLst/>
+          </a:prstGeom>
+        </p:spPr>
         <p:txBody>
           <a:bodyPr/>
           <a:lstStyle/>
@@ -2519,7 +2834,15 @@
             <p:ph type="sldNum" sz="quarter" idx="12"/>
           </p:nvPr>
         </p:nvSpPr>
-        <p:spPr/>
+        <p:spPr>
+          <a:xfrm>
+            <a:off x="8610600" y="6356350"/>
+            <a:ext cx="2743200" cy="365125"/>
+          </a:xfrm>
+          <a:prstGeom prst="rect">
+            <a:avLst/>
+          </a:prstGeom>
+        </p:spPr>
         <p:txBody>
           <a:bodyPr/>
           <a:lstStyle/>
@@ -2580,7 +2903,7 @@
             <a:fld id="{EA116FA8-12ED-4DB7-9E1C-8D8E5107CE88}" type="datetime8">
               <a:rPr lang="en-US" smtClean="0"/>
               <a:pPr/>
-              <a:t>12/8/2020 3:53 PM</a:t>
+              <a:t>12/24/2020 10:11 AM</a:t>
             </a:fld>
             <a:endParaRPr lang="en-US" dirty="0"/>
           </a:p>
@@ -2635,7 +2958,15 @@
             <p:ph type="ftr" sz="quarter" idx="11"/>
           </p:nvPr>
         </p:nvSpPr>
-        <p:spPr/>
+        <p:spPr>
+          <a:xfrm>
+            <a:off x="4038600" y="6356350"/>
+            <a:ext cx="4114800" cy="365125"/>
+          </a:xfrm>
+          <a:prstGeom prst="rect">
+            <a:avLst/>
+          </a:prstGeom>
+        </p:spPr>
         <p:txBody>
           <a:bodyPr/>
           <a:lstStyle/>
@@ -2660,7 +2991,15 @@
             <p:ph type="sldNum" sz="quarter" idx="12"/>
           </p:nvPr>
         </p:nvSpPr>
-        <p:spPr/>
+        <p:spPr>
+          <a:xfrm>
+            <a:off x="8610600" y="6356350"/>
+            <a:ext cx="2743200" cy="365125"/>
+          </a:xfrm>
+          <a:prstGeom prst="rect">
+            <a:avLst/>
+          </a:prstGeom>
+        </p:spPr>
         <p:txBody>
           <a:bodyPr/>
           <a:lstStyle/>
@@ -2721,7 +3060,7 @@
             <a:fld id="{EA116FA8-12ED-4DB7-9E1C-8D8E5107CE88}" type="datetime8">
               <a:rPr lang="en-US" smtClean="0"/>
               <a:pPr/>
-              <a:t>12/8/2020 3:53 PM</a:t>
+              <a:t>12/24/2020 10:11 AM</a:t>
             </a:fld>
             <a:endParaRPr lang="en-US" dirty="0"/>
           </a:p>
@@ -2921,7 +3260,15 @@
             <p:ph type="ftr" sz="quarter" idx="11"/>
           </p:nvPr>
         </p:nvSpPr>
-        <p:spPr/>
+        <p:spPr>
+          <a:xfrm>
+            <a:off x="4038600" y="6356350"/>
+            <a:ext cx="4114800" cy="365125"/>
+          </a:xfrm>
+          <a:prstGeom prst="rect">
+            <a:avLst/>
+          </a:prstGeom>
+        </p:spPr>
         <p:txBody>
           <a:bodyPr/>
           <a:lstStyle/>
@@ -2946,7 +3293,15 @@
             <p:ph type="sldNum" sz="quarter" idx="12"/>
           </p:nvPr>
         </p:nvSpPr>
-        <p:spPr/>
+        <p:spPr>
+          <a:xfrm>
+            <a:off x="8610600" y="6356350"/>
+            <a:ext cx="2743200" cy="365125"/>
+          </a:xfrm>
+          <a:prstGeom prst="rect">
+            <a:avLst/>
+          </a:prstGeom>
+        </p:spPr>
         <p:txBody>
           <a:bodyPr/>
           <a:lstStyle/>
@@ -3007,7 +3362,7 @@
             <a:fld id="{EA116FA8-12ED-4DB7-9E1C-8D8E5107CE88}" type="datetime8">
               <a:rPr lang="en-US" smtClean="0"/>
               <a:pPr/>
-              <a:t>12/8/2020 3:53 PM</a:t>
+              <a:t>12/24/2020 10:11 AM</a:t>
             </a:fld>
             <a:endParaRPr lang="en-US" dirty="0"/>
           </a:p>
@@ -3132,7 +3487,15 @@
             <p:ph type="ftr" sz="quarter" idx="11"/>
           </p:nvPr>
         </p:nvSpPr>
-        <p:spPr/>
+        <p:spPr>
+          <a:xfrm>
+            <a:off x="4038600" y="6356350"/>
+            <a:ext cx="4114800" cy="365125"/>
+          </a:xfrm>
+          <a:prstGeom prst="rect">
+            <a:avLst/>
+          </a:prstGeom>
+        </p:spPr>
         <p:txBody>
           <a:bodyPr/>
           <a:lstStyle>
@@ -3167,7 +3530,15 @@
             <p:ph type="sldNum" sz="quarter" idx="12"/>
           </p:nvPr>
         </p:nvSpPr>
-        <p:spPr/>
+        <p:spPr>
+          <a:xfrm>
+            <a:off x="8610600" y="6356350"/>
+            <a:ext cx="2743200" cy="365125"/>
+          </a:xfrm>
+          <a:prstGeom prst="rect">
+            <a:avLst/>
+          </a:prstGeom>
+        </p:spPr>
         <p:txBody>
           <a:bodyPr/>
           <a:lstStyle>
@@ -3239,7 +3610,7 @@
             <a:fld id="{EA116FA8-12ED-4DB7-9E1C-8D8E5107CE88}" type="datetime8">
               <a:rPr lang="en-US" smtClean="0"/>
               <a:pPr/>
-              <a:t>12/8/2020 3:53 PM</a:t>
+              <a:t>12/24/2020 10:11 AM</a:t>
             </a:fld>
             <a:endParaRPr lang="en-US" dirty="0"/>
           </a:p>
@@ -3428,156 +3799,12 @@
           </a:p>
         </p:txBody>
       </p:sp>
-      <p:sp>
-        <p:nvSpPr>
-          <p:cNvPr id="4" name="Date Placeholder 3">
-            <a:extLst>
-              <a:ext uri="{FF2B5EF4-FFF2-40B4-BE49-F238E27FC236}">
-                <a16:creationId xmlns:a16="http://schemas.microsoft.com/office/drawing/2014/main" id="{89AFE243-5CF5-4813-A551-41505E0601C8}"/>
-              </a:ext>
-            </a:extLst>
-          </p:cNvPr>
-          <p:cNvSpPr>
-            <a:spLocks noGrp="1"/>
-          </p:cNvSpPr>
-          <p:nvPr>
-            <p:ph type="dt" sz="half" idx="2"/>
-          </p:nvPr>
-        </p:nvSpPr>
-        <p:spPr>
-          <a:xfrm>
-            <a:off x="838200" y="6356350"/>
-            <a:ext cx="2743200" cy="365125"/>
-          </a:xfrm>
-          <a:prstGeom prst="rect">
-            <a:avLst/>
-          </a:prstGeom>
-        </p:spPr>
-        <p:txBody>
-          <a:bodyPr vert="horz" lIns="91440" tIns="45720" rIns="91440" bIns="45720" rtlCol="0" anchor="ctr"/>
-          <a:lstStyle>
-            <a:lvl1pPr algn="l">
-              <a:defRPr sz="1200">
-                <a:solidFill>
-                  <a:schemeClr val="tx1">
-                    <a:tint val="75000"/>
-                  </a:schemeClr>
-                </a:solidFill>
-                <a:latin typeface="Arial" panose="020B0604020202020204" pitchFamily="34" charset="0"/>
-                <a:cs typeface="Arial" panose="020B0604020202020204" pitchFamily="34" charset="0"/>
-              </a:defRPr>
-            </a:lvl1pPr>
-          </a:lstStyle>
-          <a:p>
-            <a:r>
-              <a:rPr lang="en-US"/>
-              <a:t>Last Updated: </a:t>
-            </a:r>
-            <a:fld id="{EA116FA8-12ED-4DB7-9E1C-8D8E5107CE88}" type="datetime8">
-              <a:rPr lang="en-US" smtClean="0"/>
-              <a:pPr/>
-              <a:t>12/8/2020 3:53 PM</a:t>
-            </a:fld>
-            <a:endParaRPr lang="en-US" dirty="0"/>
-          </a:p>
-        </p:txBody>
-      </p:sp>
-      <p:sp>
-        <p:nvSpPr>
-          <p:cNvPr id="5" name="Footer Placeholder 4">
-            <a:extLst>
-              <a:ext uri="{FF2B5EF4-FFF2-40B4-BE49-F238E27FC236}">
-                <a16:creationId xmlns:a16="http://schemas.microsoft.com/office/drawing/2014/main" id="{E67FF262-C772-4237-B513-241E505BC792}"/>
-              </a:ext>
-            </a:extLst>
-          </p:cNvPr>
-          <p:cNvSpPr>
-            <a:spLocks noGrp="1"/>
-          </p:cNvSpPr>
-          <p:nvPr>
-            <p:ph type="ftr" sz="quarter" idx="3"/>
-          </p:nvPr>
-        </p:nvSpPr>
-        <p:spPr>
-          <a:xfrm>
-            <a:off x="4038600" y="6356350"/>
-            <a:ext cx="4114800" cy="365125"/>
-          </a:xfrm>
-          <a:prstGeom prst="rect">
-            <a:avLst/>
-          </a:prstGeom>
-        </p:spPr>
-        <p:txBody>
-          <a:bodyPr vert="horz" lIns="91440" tIns="45720" rIns="91440" bIns="45720" rtlCol="0" anchor="ctr"/>
-          <a:lstStyle>
-            <a:lvl1pPr algn="ctr">
-              <a:defRPr sz="1200">
-                <a:solidFill>
-                  <a:schemeClr val="tx1">
-                    <a:tint val="75000"/>
-                  </a:schemeClr>
-                </a:solidFill>
-              </a:defRPr>
-            </a:lvl1pPr>
-          </a:lstStyle>
-          <a:p>
-            <a:endParaRPr lang="en-US"/>
-          </a:p>
-        </p:txBody>
-      </p:sp>
-      <p:sp>
-        <p:nvSpPr>
-          <p:cNvPr id="6" name="Slide Number Placeholder 5">
-            <a:extLst>
-              <a:ext uri="{FF2B5EF4-FFF2-40B4-BE49-F238E27FC236}">
-                <a16:creationId xmlns:a16="http://schemas.microsoft.com/office/drawing/2014/main" id="{E619B61C-9B85-47BF-B100-055B44F68AA6}"/>
-              </a:ext>
-            </a:extLst>
-          </p:cNvPr>
-          <p:cNvSpPr>
-            <a:spLocks noGrp="1"/>
-          </p:cNvSpPr>
-          <p:nvPr>
-            <p:ph type="sldNum" sz="quarter" idx="4"/>
-          </p:nvPr>
-        </p:nvSpPr>
-        <p:spPr>
-          <a:xfrm>
-            <a:off x="8610600" y="6356350"/>
-            <a:ext cx="2743200" cy="365125"/>
-          </a:xfrm>
-          <a:prstGeom prst="rect">
-            <a:avLst/>
-          </a:prstGeom>
-        </p:spPr>
-        <p:txBody>
-          <a:bodyPr vert="horz" lIns="91440" tIns="45720" rIns="91440" bIns="45720" rtlCol="0" anchor="ctr"/>
-          <a:lstStyle>
-            <a:lvl1pPr algn="r">
-              <a:defRPr sz="1200">
-                <a:solidFill>
-                  <a:schemeClr val="tx1">
-                    <a:tint val="75000"/>
-                  </a:schemeClr>
-                </a:solidFill>
-              </a:defRPr>
-            </a:lvl1pPr>
-          </a:lstStyle>
-          <a:p>
-            <a:fld id="{D0138058-EEB1-43DC-9E76-BACD3990386A}" type="slidenum">
-              <a:rPr lang="en-US" smtClean="0"/>
-              <a:t>‹#›</a:t>
-            </a:fld>
-            <a:endParaRPr lang="en-US"/>
-          </a:p>
-        </p:txBody>
-      </p:sp>
       <p:pic>
         <p:nvPicPr>
-          <p:cNvPr id="7" name="Picture 6">
-            <a:extLst>
-              <a:ext uri="{FF2B5EF4-FFF2-40B4-BE49-F238E27FC236}">
-                <a16:creationId xmlns:a16="http://schemas.microsoft.com/office/drawing/2014/main" id="{8CA20E64-E208-4CDA-9303-87C2BEEF86A7}"/>
+          <p:cNvPr id="9" name="Picture 8" descr="A picture containing lamp&#10;&#10;Description automatically generated">
+            <a:extLst>
+              <a:ext uri="{FF2B5EF4-FFF2-40B4-BE49-F238E27FC236}">
+                <a16:creationId xmlns:a16="http://schemas.microsoft.com/office/drawing/2014/main" id="{ED1E814A-69B8-4895-AD51-0C8B0C4A0C2B}"/>
               </a:ext>
             </a:extLst>
           </p:cNvPr>
@@ -3587,43 +3814,7 @@
           <p:nvPr userDrawn="1"/>
         </p:nvPicPr>
         <p:blipFill>
-          <a:blip r:embed="rId13" cstate="print">
-            <a:extLst>
-              <a:ext uri="{28A0092B-C50C-407E-A947-70E740481C1C}">
-                <a14:useLocalDpi xmlns:a14="http://schemas.microsoft.com/office/drawing/2010/main" val="0"/>
-              </a:ext>
-            </a:extLst>
-          </a:blip>
-          <a:stretch>
-            <a:fillRect/>
-          </a:stretch>
-        </p:blipFill>
-        <p:spPr>
-          <a:xfrm>
-            <a:off x="236391" y="220262"/>
-            <a:ext cx="1038862" cy="860504"/>
-          </a:xfrm>
-          <a:prstGeom prst="rect">
-            <a:avLst/>
-          </a:prstGeom>
-        </p:spPr>
-      </p:pic>
-      <p:pic>
-        <p:nvPicPr>
-          <p:cNvPr id="9" name="Picture 8" descr="A picture containing lamp&#10;&#10;Description automatically generated">
-            <a:extLst>
-              <a:ext uri="{FF2B5EF4-FFF2-40B4-BE49-F238E27FC236}">
-                <a16:creationId xmlns:a16="http://schemas.microsoft.com/office/drawing/2014/main" id="{ED1E814A-69B8-4895-AD51-0C8B0C4A0C2B}"/>
-              </a:ext>
-            </a:extLst>
-          </p:cNvPr>
-          <p:cNvPicPr>
-            <a:picLocks noChangeAspect="1"/>
-          </p:cNvPicPr>
-          <p:nvPr userDrawn="1"/>
-        </p:nvPicPr>
-        <p:blipFill>
-          <a:blip r:embed="rId14">
+          <a:blip r:embed="rId13">
             <a:extLst>
               <a:ext uri="{28A0092B-C50C-407E-A947-70E740481C1C}">
                 <a14:useLocalDpi xmlns:a14="http://schemas.microsoft.com/office/drawing/2010/main" val="0"/>
@@ -3651,27 +3842,81 @@
           </a:effectLst>
         </p:spPr>
       </p:pic>
-      <p:sp>
-        <p:nvSpPr>
-          <p:cNvPr id="8" name="TextBox 7">
-            <a:extLst>
-              <a:ext uri="{FF2B5EF4-FFF2-40B4-BE49-F238E27FC236}">
-                <a16:creationId xmlns:a16="http://schemas.microsoft.com/office/drawing/2014/main" id="{127F0D91-4DB8-4833-BF99-51BE25D9ED57}"/>
-              </a:ext>
-            </a:extLst>
-          </p:cNvPr>
-          <p:cNvSpPr txBox="1"/>
+      <p:pic>
+        <p:nvPicPr>
+          <p:cNvPr id="2050" name="Picture 2">
+            <a:extLst>
+              <a:ext uri="{FF2B5EF4-FFF2-40B4-BE49-F238E27FC236}">
+                <a16:creationId xmlns:a16="http://schemas.microsoft.com/office/drawing/2014/main" id="{01003E24-7C1D-463D-B26E-B8BC5106760B}"/>
+              </a:ext>
+            </a:extLst>
+          </p:cNvPr>
+          <p:cNvPicPr>
+            <a:picLocks noChangeAspect="1" noChangeArrowheads="1"/>
+          </p:cNvPicPr>
           <p:nvPr userDrawn="1"/>
-        </p:nvSpPr>
-        <p:spPr>
-          <a:xfrm>
-            <a:off x="5320788" y="6356350"/>
-            <a:ext cx="1550424" cy="369332"/>
+        </p:nvPicPr>
+        <p:blipFill>
+          <a:blip r:embed="rId14">
+            <a:extLst>
+              <a:ext uri="{28A0092B-C50C-407E-A947-70E740481C1C}">
+                <a14:useLocalDpi xmlns:a14="http://schemas.microsoft.com/office/drawing/2010/main" val="0"/>
+              </a:ext>
+            </a:extLst>
+          </a:blip>
+          <a:srcRect/>
+          <a:stretch>
+            <a:fillRect/>
+          </a:stretch>
+        </p:blipFill>
+        <p:spPr bwMode="auto">
+          <a:xfrm>
+            <a:off x="141316" y="5608755"/>
+            <a:ext cx="1393768" cy="1112720"/>
           </a:xfrm>
           <a:prstGeom prst="rect">
             <a:avLst/>
           </a:prstGeom>
           <a:noFill/>
+          <a:effectLst>
+            <a:outerShdw blurRad="50800" dist="38100" dir="5400000" algn="t" rotWithShape="0">
+              <a:prstClr val="black">
+                <a:alpha val="40000"/>
+              </a:prstClr>
+            </a:outerShdw>
+          </a:effectLst>
+          <a:extLst>
+            <a:ext uri="{909E8E84-426E-40DD-AFC4-6F175D3DCCD1}">
+              <a14:hiddenFill xmlns:a14="http://schemas.microsoft.com/office/drawing/2010/main">
+                <a:solidFill>
+                  <a:srgbClr val="FFFFFF"/>
+                </a:solidFill>
+              </a14:hiddenFill>
+            </a:ext>
+          </a:extLst>
+        </p:spPr>
+      </p:pic>
+      <p:sp>
+        <p:nvSpPr>
+          <p:cNvPr id="11" name="TextBox 10">
+            <a:extLst>
+              <a:ext uri="{FF2B5EF4-FFF2-40B4-BE49-F238E27FC236}">
+                <a16:creationId xmlns:a16="http://schemas.microsoft.com/office/drawing/2014/main" id="{EB14B594-5223-4CA2-BCA6-16B491DB1B67}"/>
+              </a:ext>
+            </a:extLst>
+          </p:cNvPr>
+          <p:cNvSpPr txBox="1"/>
+          <p:nvPr userDrawn="1"/>
+        </p:nvSpPr>
+        <p:spPr>
+          <a:xfrm>
+            <a:off x="1375719" y="6334125"/>
+            <a:ext cx="4871847" cy="369332"/>
+          </a:xfrm>
+          <a:prstGeom prst="rect">
+            <a:avLst/>
+          </a:prstGeom>
+          <a:noFill/>
         </p:spPr>
         <p:txBody>
           <a:bodyPr wrap="none" rtlCol="0">
@@ -3680,57 +3925,17 @@
           <a:lstStyle/>
           <a:p>
             <a:r>
-              <a:rPr lang="en-US" b="1" dirty="0">
+              <a:rPr lang="en-US" dirty="0">
                 <a:solidFill>
-                  <a:srgbClr val="00B050"/>
+                  <a:schemeClr val="tx1">
+                    <a:lumMod val="50000"/>
+                    <a:lumOff val="50000"/>
+                  </a:schemeClr>
                 </a:solidFill>
-                <a:highlight>
-                  <a:srgbClr val="000000"/>
-                </a:highlight>
+                <a:latin typeface="Courier New" panose="02070309020205020404" pitchFamily="49" charset="0"/>
+                <a:cs typeface="Courier New" panose="02070309020205020404" pitchFamily="49" charset="0"/>
               </a:rPr>
-              <a:t>UNCLASSIFIED</a:t>
-            </a:r>
-          </a:p>
-        </p:txBody>
-      </p:sp>
-      <p:sp>
-        <p:nvSpPr>
-          <p:cNvPr id="10" name="TextBox 9">
-            <a:extLst>
-              <a:ext uri="{FF2B5EF4-FFF2-40B4-BE49-F238E27FC236}">
-                <a16:creationId xmlns:a16="http://schemas.microsoft.com/office/drawing/2014/main" id="{ACA2A6D1-C4D9-4203-A53B-481CB11C7886}"/>
-              </a:ext>
-            </a:extLst>
-          </p:cNvPr>
-          <p:cNvSpPr txBox="1"/>
-          <p:nvPr userDrawn="1"/>
-        </p:nvSpPr>
-        <p:spPr>
-          <a:xfrm>
-            <a:off x="5320788" y="-4178"/>
-            <a:ext cx="1550424" cy="369332"/>
-          </a:xfrm>
-          <a:prstGeom prst="rect">
-            <a:avLst/>
-          </a:prstGeom>
-          <a:noFill/>
-        </p:spPr>
-        <p:txBody>
-          <a:bodyPr wrap="none" rtlCol="0">
-            <a:spAutoFit/>
-          </a:bodyPr>
-          <a:lstStyle/>
-          <a:p>
-            <a:r>
-              <a:rPr lang="en-US" b="1" dirty="0">
-                <a:solidFill>
-                  <a:srgbClr val="00B050"/>
-                </a:solidFill>
-                <a:highlight>
-                  <a:srgbClr val="000000"/>
-                </a:highlight>
-              </a:rPr>
-              <a:t>UNCLASSIFIED</a:t>
+              <a:t>www.centerforcyberintelligence.org</a:t>
             </a:r>
           </a:p>
         </p:txBody>
@@ -4631,4 +4836,299 @@
     </a:ext>
   </a:extLst>
 </a:theme>
+</file>
+
+<file path=ppt/theme/theme3.xml><?xml version="1.0" encoding="utf-8"?>
+<a:theme xmlns:a="http://schemas.openxmlformats.org/drawingml/2006/main" name="Office Theme">
+  <a:themeElements>
+    <a:clrScheme name="Office">
+      <a:dk1>
+        <a:sysClr val="windowText" lastClr="000000"/>
+      </a:dk1>
+      <a:lt1>
+        <a:sysClr val="window" lastClr="FFFFFF"/>
+      </a:lt1>
+      <a:dk2>
+        <a:srgbClr val="44546A"/>
+      </a:dk2>
+      <a:lt2>
+        <a:srgbClr val="E7E6E6"/>
+      </a:lt2>
+      <a:accent1>
+        <a:srgbClr val="4472C4"/>
+      </a:accent1>
+      <a:accent2>
+        <a:srgbClr val="ED7D31"/>
+      </a:accent2>
+      <a:accent3>
+        <a:srgbClr val="A5A5A5"/>
+      </a:accent3>
+      <a:accent4>
+        <a:srgbClr val="FFC000"/>
+      </a:accent4>
+      <a:accent5>
+        <a:srgbClr val="5B9BD5"/>
+      </a:accent5>
+      <a:accent6>
+        <a:srgbClr val="70AD47"/>
+      </a:accent6>
+      <a:hlink>
+        <a:srgbClr val="0563C1"/>
+      </a:hlink>
+      <a:folHlink>
+        <a:srgbClr val="954F72"/>
+      </a:folHlink>
+    </a:clrScheme>
+    <a:fontScheme name="Office">
+      <a:majorFont>
+        <a:latin typeface="Calibri Light" panose="020F0302020204030204"/>
+        <a:ea typeface=""/>
+        <a:cs typeface=""/>
+        <a:font script="Jpan" typeface="游ゴシック Light"/>
+        <a:font script="Hang" typeface="맑은 고딕"/>
+        <a:font script="Hans" typeface="等线 Light"/>
+        <a:font script="Hant" typeface="新細明體"/>
+        <a:font script="Arab" typeface="Times New Roman"/>
+        <a:font script="Hebr" typeface="Times New Roman"/>
+        <a:font script="Thai" typeface="Angsana New"/>
+        <a:font script="Ethi" typeface="Nyala"/>
+        <a:font script="Beng" typeface="Vrinda"/>
+        <a:font script="Gujr" typeface="Shruti"/>
+        <a:font script="Khmr" typeface="MoolBoran"/>
+        <a:font script="Knda" typeface="Tunga"/>
+        <a:font script="Guru" typeface="Raavi"/>
+        <a:font script="Cans" typeface="Euphemia"/>
+        <a:font script="Cher" typeface="Plantagenet Cherokee"/>
+        <a:font script="Yiii" typeface="Microsoft Yi Baiti"/>
+        <a:font script="Tibt" typeface="Microsoft Himalaya"/>
+        <a:font script="Thaa" typeface="MV Boli"/>
+        <a:font script="Deva" typeface="Mangal"/>
+        <a:font script="Telu" typeface="Gautami"/>
+        <a:font script="Taml" typeface="Latha"/>
+        <a:font script="Syrc" typeface="Estrangelo Edessa"/>
+        <a:font script="Orya" typeface="Kalinga"/>
+        <a:font script="Mlym" typeface="Kartika"/>
+        <a:font script="Laoo" typeface="DokChampa"/>
+        <a:font script="Sinh" typeface="Iskoola Pota"/>
+        <a:font script="Mong" typeface="Mongolian Baiti"/>
+        <a:font script="Viet" typeface="Times New Roman"/>
+        <a:font script="Uigh" typeface="Microsoft Uighur"/>
+        <a:font script="Geor" typeface="Sylfaen"/>
+        <a:font script="Armn" typeface="Arial"/>
+        <a:font script="Bugi" typeface="Leelawadee UI"/>
+        <a:font script="Bopo" typeface="Microsoft JhengHei"/>
+        <a:font script="Java" typeface="Javanese Text"/>
+        <a:font script="Lisu" typeface="Segoe UI"/>
+        <a:font script="Mymr" typeface="Myanmar Text"/>
+        <a:font script="Nkoo" typeface="Ebrima"/>
+        <a:font script="Olck" typeface="Nirmala UI"/>
+        <a:font script="Osma" typeface="Ebrima"/>
+        <a:font script="Phag" typeface="Phagspa"/>
+        <a:font script="Syrn" typeface="Estrangelo Edessa"/>
+        <a:font script="Syrj" typeface="Estrangelo Edessa"/>
+        <a:font script="Syre" typeface="Estrangelo Edessa"/>
+        <a:font script="Sora" typeface="Nirmala UI"/>
+        <a:font script="Tale" typeface="Microsoft Tai Le"/>
+        <a:font script="Talu" typeface="Microsoft New Tai Lue"/>
+        <a:font script="Tfng" typeface="Ebrima"/>
+      </a:majorFont>
+      <a:minorFont>
+        <a:latin typeface="Calibri" panose="020F0502020204030204"/>
+        <a:ea typeface=""/>
+        <a:cs typeface=""/>
+        <a:font script="Jpan" typeface="游ゴシック"/>
+        <a:font script="Hang" typeface="맑은 고딕"/>
+        <a:font script="Hans" typeface="等线"/>
+        <a:font script="Hant" typeface="新細明體"/>
+        <a:font script="Arab" typeface="Arial"/>
+        <a:font script="Hebr" typeface="Arial"/>
+        <a:font script="Thai" typeface="Cordia New"/>
+        <a:font script="Ethi" typeface="Nyala"/>
+        <a:font script="Beng" typeface="Vrinda"/>
+        <a:font script="Gujr" typeface="Shruti"/>
+        <a:font script="Khmr" typeface="DaunPenh"/>
+        <a:font script="Knda" typeface="Tunga"/>
+        <a:font script="Guru" typeface="Raavi"/>
+        <a:font script="Cans" typeface="Euphemia"/>
+        <a:font script="Cher" typeface="Plantagenet Cherokee"/>
+        <a:font script="Yiii" typeface="Microsoft Yi Baiti"/>
+        <a:font script="Tibt" typeface="Microsoft Himalaya"/>
+        <a:font script="Thaa" typeface="MV Boli"/>
+        <a:font script="Deva" typeface="Mangal"/>
+        <a:font script="Telu" typeface="Gautami"/>
+        <a:font script="Taml" typeface="Latha"/>
+        <a:font script="Syrc" typeface="Estrangelo Edessa"/>
+        <a:font script="Orya" typeface="Kalinga"/>
+        <a:font script="Mlym" typeface="Kartika"/>
+        <a:font script="Laoo" typeface="DokChampa"/>
+        <a:font script="Sinh" typeface="Iskoola Pota"/>
+        <a:font script="Mong" typeface="Mongolian Baiti"/>
+        <a:font script="Viet" typeface="Arial"/>
+        <a:font script="Uigh" typeface="Microsoft Uighur"/>
+        <a:font script="Geor" typeface="Sylfaen"/>
+        <a:font script="Armn" typeface="Arial"/>
+        <a:font script="Bugi" typeface="Leelawadee UI"/>
+        <a:font script="Bopo" typeface="Microsoft JhengHei"/>
+        <a:font script="Java" typeface="Javanese Text"/>
+        <a:font script="Lisu" typeface="Segoe UI"/>
+        <a:font script="Mymr" typeface="Myanmar Text"/>
+        <a:font script="Nkoo" typeface="Ebrima"/>
+        <a:font script="Olck" typeface="Nirmala UI"/>
+        <a:font script="Osma" typeface="Ebrima"/>
+        <a:font script="Phag" typeface="Phagspa"/>
+        <a:font script="Syrn" typeface="Estrangelo Edessa"/>
+        <a:font script="Syrj" typeface="Estrangelo Edessa"/>
+        <a:font script="Syre" typeface="Estrangelo Edessa"/>
+        <a:font script="Sora" typeface="Nirmala UI"/>
+        <a:font script="Tale" typeface="Microsoft Tai Le"/>
+        <a:font script="Talu" typeface="Microsoft New Tai Lue"/>
+        <a:font script="Tfng" typeface="Ebrima"/>
+      </a:minorFont>
+    </a:fontScheme>
+    <a:fmtScheme name="Office">
+      <a:fillStyleLst>
+        <a:solidFill>
+          <a:schemeClr val="phClr"/>
+        </a:solidFill>
+        <a:gradFill rotWithShape="1">
+          <a:gsLst>
+            <a:gs pos="0">
+              <a:schemeClr val="phClr">
+                <a:lumMod val="110000"/>
+                <a:satMod val="105000"/>
+                <a:tint val="67000"/>
+              </a:schemeClr>
+            </a:gs>
+            <a:gs pos="50000">
+              <a:schemeClr val="phClr">
+                <a:lumMod val="105000"/>
+                <a:satMod val="103000"/>
+                <a:tint val="73000"/>
+              </a:schemeClr>
+            </a:gs>
+            <a:gs pos="100000">
+              <a:schemeClr val="phClr">
+                <a:lumMod val="105000"/>
+                <a:satMod val="109000"/>
+                <a:tint val="81000"/>
+              </a:schemeClr>
+            </a:gs>
+          </a:gsLst>
+          <a:lin ang="5400000" scaled="0"/>
+        </a:gradFill>
+        <a:gradFill rotWithShape="1">
+          <a:gsLst>
+            <a:gs pos="0">
+              <a:schemeClr val="phClr">
+                <a:satMod val="103000"/>
+                <a:lumMod val="102000"/>
+                <a:tint val="94000"/>
+              </a:schemeClr>
+            </a:gs>
+            <a:gs pos="50000">
+              <a:schemeClr val="phClr">
+                <a:satMod val="110000"/>
+                <a:lumMod val="100000"/>
+                <a:shade val="100000"/>
+              </a:schemeClr>
+            </a:gs>
+            <a:gs pos="100000">
+              <a:schemeClr val="phClr">
+                <a:lumMod val="99000"/>
+                <a:satMod val="120000"/>
+                <a:shade val="78000"/>
+              </a:schemeClr>
+            </a:gs>
+          </a:gsLst>
+          <a:lin ang="5400000" scaled="0"/>
+        </a:gradFill>
+      </a:fillStyleLst>
+      <a:lnStyleLst>
+        <a:ln w="6350" cap="flat" cmpd="sng" algn="ctr">
+          <a:solidFill>
+            <a:schemeClr val="phClr"/>
+          </a:solidFill>
+          <a:prstDash val="solid"/>
+          <a:miter lim="800000"/>
+        </a:ln>
+        <a:ln w="12700" cap="flat" cmpd="sng" algn="ctr">
+          <a:solidFill>
+            <a:schemeClr val="phClr"/>
+          </a:solidFill>
+          <a:prstDash val="solid"/>
+          <a:miter lim="800000"/>
+        </a:ln>
+        <a:ln w="19050" cap="flat" cmpd="sng" algn="ctr">
+          <a:solidFill>
+            <a:schemeClr val="phClr"/>
+          </a:solidFill>
+          <a:prstDash val="solid"/>
+          <a:miter lim="800000"/>
+        </a:ln>
+      </a:lnStyleLst>
+      <a:effectStyleLst>
+        <a:effectStyle>
+          <a:effectLst/>
+        </a:effectStyle>
+        <a:effectStyle>
+          <a:effectLst/>
+        </a:effectStyle>
+        <a:effectStyle>
+          <a:effectLst>
+            <a:outerShdw blurRad="57150" dist="19050" dir="5400000" algn="ctr" rotWithShape="0">
+              <a:srgbClr val="000000">
+                <a:alpha val="63000"/>
+              </a:srgbClr>
+            </a:outerShdw>
+          </a:effectLst>
+        </a:effectStyle>
+      </a:effectStyleLst>
+      <a:bgFillStyleLst>
+        <a:solidFill>
+          <a:schemeClr val="phClr"/>
+        </a:solidFill>
+        <a:solidFill>
+          <a:schemeClr val="phClr">
+            <a:tint val="95000"/>
+            <a:satMod val="170000"/>
+          </a:schemeClr>
+        </a:solidFill>
+        <a:gradFill rotWithShape="1">
+          <a:gsLst>
+            <a:gs pos="0">
+              <a:schemeClr val="phClr">
+                <a:tint val="93000"/>
+                <a:satMod val="150000"/>
+                <a:shade val="98000"/>
+                <a:lumMod val="102000"/>
+              </a:schemeClr>
+            </a:gs>
+            <a:gs pos="50000">
+              <a:schemeClr val="phClr">
+                <a:tint val="98000"/>
+                <a:satMod val="130000"/>
+                <a:shade val="90000"/>
+                <a:lumMod val="103000"/>
+              </a:schemeClr>
+            </a:gs>
+            <a:gs pos="100000">
+              <a:schemeClr val="phClr">
+                <a:shade val="63000"/>
+                <a:satMod val="120000"/>
+              </a:schemeClr>
+            </a:gs>
+          </a:gsLst>
+          <a:lin ang="5400000" scaled="0"/>
+        </a:gradFill>
+      </a:bgFillStyleLst>
+    </a:fmtScheme>
+  </a:themeElements>
+  <a:objectDefaults/>
+  <a:extraClrSchemeLst/>
+  <a:extLst>
+    <a:ext uri="{05A4C25C-085E-4340-85A3-A5531E510DB2}">
+      <thm15:themeFamily xmlns:thm15="http://schemas.microsoft.com/office/thememl/2012/main" name="Office Theme" id="{62F939B6-93AF-4DB8-9C6B-D6C7DFDC589F}" vid="{4A3C46E8-61CC-4603-A589-7422A47A8E4A}"/>
+    </a:ext>
+  </a:extLst>
+</a:theme>
 </file>
--- a/scripts/helper_files/Risk-Map-Slides-Template.pptx
+++ b/scripts/helper_files/Risk-Map-Slides-Template.pptx
@@ -898,7 +898,7 @@
             <a:fld id="{EA116FA8-12ED-4DB7-9E1C-8D8E5107CE88}" type="datetime8">
               <a:rPr lang="en-US" smtClean="0"/>
               <a:pPr/>
-              <a:t>12/24/2020 10:11 AM</a:t>
+              <a:t>12/24/2020 10:58 AM</a:t>
             </a:fld>
             <a:endParaRPr lang="en-US" dirty="0"/>
           </a:p>
@@ -1140,7 +1140,7 @@
             <a:fld id="{EA116FA8-12ED-4DB7-9E1C-8D8E5107CE88}" type="datetime8">
               <a:rPr lang="en-US" smtClean="0"/>
               <a:pPr/>
-              <a:t>12/24/2020 10:11 AM</a:t>
+              <a:t>12/24/2020 10:58 AM</a:t>
             </a:fld>
             <a:endParaRPr lang="en-US" dirty="0"/>
           </a:p>
@@ -1392,7 +1392,7 @@
             <a:fld id="{EA116FA8-12ED-4DB7-9E1C-8D8E5107CE88}" type="datetime8">
               <a:rPr lang="en-US" smtClean="0"/>
               <a:pPr/>
-              <a:t>12/24/2020 10:11 AM</a:t>
+              <a:t>12/24/2020 10:58 AM</a:t>
             </a:fld>
             <a:endParaRPr lang="en-US" dirty="0"/>
           </a:p>
@@ -1634,7 +1634,7 @@
             <a:fld id="{EA116FA8-12ED-4DB7-9E1C-8D8E5107CE88}" type="datetime8">
               <a:rPr lang="en-US" smtClean="0"/>
               <a:pPr/>
-              <a:t>12/24/2020 10:11 AM</a:t>
+              <a:t>12/24/2020 10:58 AM</a:t>
             </a:fld>
             <a:endParaRPr lang="en-US" dirty="0"/>
           </a:p>
@@ -1953,7 +1953,7 @@
             <a:fld id="{EA116FA8-12ED-4DB7-9E1C-8D8E5107CE88}" type="datetime8">
               <a:rPr lang="en-US" smtClean="0"/>
               <a:pPr/>
-              <a:t>12/24/2020 10:11 AM</a:t>
+              <a:t>12/24/2020 10:58 AM</a:t>
             </a:fld>
             <a:endParaRPr lang="en-US" dirty="0"/>
           </a:p>
@@ -2262,7 +2262,7 @@
             <a:fld id="{EA116FA8-12ED-4DB7-9E1C-8D8E5107CE88}" type="datetime8">
               <a:rPr lang="en-US" smtClean="0"/>
               <a:pPr/>
-              <a:t>12/24/2020 10:11 AM</a:t>
+              <a:t>12/24/2020 10:58 AM</a:t>
             </a:fld>
             <a:endParaRPr lang="en-US" dirty="0"/>
           </a:p>
@@ -2718,7 +2718,7 @@
             <a:fld id="{EA116FA8-12ED-4DB7-9E1C-8D8E5107CE88}" type="datetime8">
               <a:rPr lang="en-US" smtClean="0"/>
               <a:pPr/>
-              <a:t>12/24/2020 10:11 AM</a:t>
+              <a:t>12/24/2020 10:58 AM</a:t>
             </a:fld>
             <a:endParaRPr lang="en-US" dirty="0"/>
           </a:p>
@@ -2903,7 +2903,7 @@
             <a:fld id="{EA116FA8-12ED-4DB7-9E1C-8D8E5107CE88}" type="datetime8">
               <a:rPr lang="en-US" smtClean="0"/>
               <a:pPr/>
-              <a:t>12/24/2020 10:11 AM</a:t>
+              <a:t>12/24/2020 10:58 AM</a:t>
             </a:fld>
             <a:endParaRPr lang="en-US" dirty="0"/>
           </a:p>
@@ -3060,7 +3060,7 @@
             <a:fld id="{EA116FA8-12ED-4DB7-9E1C-8D8E5107CE88}" type="datetime8">
               <a:rPr lang="en-US" smtClean="0"/>
               <a:pPr/>
-              <a:t>12/24/2020 10:11 AM</a:t>
+              <a:t>12/24/2020 10:58 AM</a:t>
             </a:fld>
             <a:endParaRPr lang="en-US" dirty="0"/>
           </a:p>
@@ -3362,7 +3362,7 @@
             <a:fld id="{EA116FA8-12ED-4DB7-9E1C-8D8E5107CE88}" type="datetime8">
               <a:rPr lang="en-US" smtClean="0"/>
               <a:pPr/>
-              <a:t>12/24/2020 10:11 AM</a:t>
+              <a:t>12/24/2020 10:58 AM</a:t>
             </a:fld>
             <a:endParaRPr lang="en-US" dirty="0"/>
           </a:p>
@@ -3610,7 +3610,7 @@
             <a:fld id="{EA116FA8-12ED-4DB7-9E1C-8D8E5107CE88}" type="datetime8">
               <a:rPr lang="en-US" smtClean="0"/>
               <a:pPr/>
-              <a:t>12/24/2020 10:11 AM</a:t>
+              <a:t>12/24/2020 10:58 AM</a:t>
             </a:fld>
             <a:endParaRPr lang="en-US" dirty="0"/>
           </a:p>
@@ -3871,8 +3871,8 @@
         </p:blipFill>
         <p:spPr bwMode="auto">
           <a:xfrm>
-            <a:off x="141316" y="5608755"/>
-            <a:ext cx="1393768" cy="1112720"/>
+            <a:off x="249382" y="6197759"/>
+            <a:ext cx="687214" cy="548640"/>
           </a:xfrm>
           <a:prstGeom prst="rect">
             <a:avLst/>
@@ -3910,7 +3910,7 @@
         </p:nvSpPr>
         <p:spPr>
           <a:xfrm>
-            <a:off x="1375719" y="6334125"/>
+            <a:off x="936596" y="6287413"/>
             <a:ext cx="4871847" cy="369332"/>
           </a:xfrm>
           <a:prstGeom prst="rect">
@@ -3936,6 +3936,86 @@
                 <a:cs typeface="Courier New" panose="02070309020205020404" pitchFamily="49" charset="0"/>
               </a:rPr>
               <a:t>www.centerforcyberintelligence.org</a:t>
+            </a:r>
+          </a:p>
+        </p:txBody>
+      </p:sp>
+      <p:pic>
+        <p:nvPicPr>
+          <p:cNvPr id="7" name="Picture 6" descr="Logo&#10;&#10;Description automatically generated">
+            <a:extLst>
+              <a:ext uri="{FF2B5EF4-FFF2-40B4-BE49-F238E27FC236}">
+                <a16:creationId xmlns:a16="http://schemas.microsoft.com/office/drawing/2014/main" id="{2FCA1256-7968-4FB3-A37D-6C53235B7557}"/>
+              </a:ext>
+            </a:extLst>
+          </p:cNvPr>
+          <p:cNvPicPr>
+            <a:picLocks noChangeAspect="1"/>
+          </p:cNvPicPr>
+          <p:nvPr userDrawn="1"/>
+        </p:nvPicPr>
+        <p:blipFill>
+          <a:blip r:embed="rId15">
+            <a:extLst>
+              <a:ext uri="{28A0092B-C50C-407E-A947-70E740481C1C}">
+                <a14:useLocalDpi xmlns:a14="http://schemas.microsoft.com/office/drawing/2010/main" val="0"/>
+              </a:ext>
+            </a:extLst>
+          </a:blip>
+          <a:stretch>
+            <a:fillRect/>
+          </a:stretch>
+        </p:blipFill>
+        <p:spPr>
+          <a:xfrm>
+            <a:off x="7487139" y="6197759"/>
+            <a:ext cx="548640" cy="548640"/>
+          </a:xfrm>
+          <a:prstGeom prst="rect">
+            <a:avLst/>
+          </a:prstGeom>
+        </p:spPr>
+      </p:pic>
+      <p:sp>
+        <p:nvSpPr>
+          <p:cNvPr id="12" name="TextBox 11">
+            <a:extLst>
+              <a:ext uri="{FF2B5EF4-FFF2-40B4-BE49-F238E27FC236}">
+                <a16:creationId xmlns:a16="http://schemas.microsoft.com/office/drawing/2014/main" id="{76421794-4DF5-449B-8EF8-2AF754B6ABF3}"/>
+              </a:ext>
+            </a:extLst>
+          </p:cNvPr>
+          <p:cNvSpPr txBox="1"/>
+          <p:nvPr userDrawn="1"/>
+        </p:nvSpPr>
+        <p:spPr>
+          <a:xfrm>
+            <a:off x="8035779" y="6287413"/>
+            <a:ext cx="3906839" cy="369332"/>
+          </a:xfrm>
+          <a:prstGeom prst="rect">
+            <a:avLst/>
+          </a:prstGeom>
+          <a:noFill/>
+        </p:spPr>
+        <p:txBody>
+          <a:bodyPr wrap="none" rtlCol="0">
+            <a:spAutoFit/>
+          </a:bodyPr>
+          <a:lstStyle/>
+          <a:p>
+            <a:r>
+              <a:rPr lang="en-US" dirty="0">
+                <a:solidFill>
+                  <a:schemeClr val="tx1">
+                    <a:lumMod val="50000"/>
+                    <a:lumOff val="50000"/>
+                  </a:schemeClr>
+                </a:solidFill>
+                <a:latin typeface="Courier New" panose="02070309020205020404" pitchFamily="49" charset="0"/>
+                <a:cs typeface="Courier New" panose="02070309020205020404" pitchFamily="49" charset="0"/>
+              </a:rPr>
+              <a:t>www.patreon.com/chriscooley</a:t>
             </a:r>
           </a:p>
         </p:txBody>

--- a/scripts/helper_files/Risk-Map-Slides-Template.pptx
+++ b/scripts/helper_files/Risk-Map-Slides-Template.pptx
@@ -212,7 +212,7 @@
           <a:p>
             <a:fld id="{E1EDD65B-155A-4086-A4C4-B35FD5C437C7}" type="datetimeFigureOut">
               <a:rPr lang="en-US" smtClean="0"/>
-              <a:t>12/24/2020</a:t>
+              <a:t>1/4/2021</a:t>
             </a:fld>
             <a:endParaRPr lang="en-US"/>
           </a:p>
@@ -389,7 +389,7 @@
           <a:p>
             <a:fld id="{C4D982AD-0C69-4591-8A56-66EED68B8D5B}" type="datetimeFigureOut">
               <a:rPr lang="en-US" smtClean="0"/>
-              <a:t>12/24/2020</a:t>
+              <a:t>1/4/2021</a:t>
             </a:fld>
             <a:endParaRPr lang="en-US"/>
           </a:p>
@@ -898,7 +898,7 @@
             <a:fld id="{EA116FA8-12ED-4DB7-9E1C-8D8E5107CE88}" type="datetime8">
               <a:rPr lang="en-US" smtClean="0"/>
               <a:pPr/>
-              <a:t>12/24/2020 10:58 AM</a:t>
+              <a:t>1/4/2021 2:16 PM</a:t>
             </a:fld>
             <a:endParaRPr lang="en-US" dirty="0"/>
           </a:p>
@@ -1140,7 +1140,7 @@
             <a:fld id="{EA116FA8-12ED-4DB7-9E1C-8D8E5107CE88}" type="datetime8">
               <a:rPr lang="en-US" smtClean="0"/>
               <a:pPr/>
-              <a:t>12/24/2020 10:58 AM</a:t>
+              <a:t>1/4/2021 2:16 PM</a:t>
             </a:fld>
             <a:endParaRPr lang="en-US" dirty="0"/>
           </a:p>
@@ -1392,7 +1392,7 @@
             <a:fld id="{EA116FA8-12ED-4DB7-9E1C-8D8E5107CE88}" type="datetime8">
               <a:rPr lang="en-US" smtClean="0"/>
               <a:pPr/>
-              <a:t>12/24/2020 10:58 AM</a:t>
+              <a:t>1/4/2021 2:16 PM</a:t>
             </a:fld>
             <a:endParaRPr lang="en-US" dirty="0"/>
           </a:p>
@@ -1634,7 +1634,7 @@
             <a:fld id="{EA116FA8-12ED-4DB7-9E1C-8D8E5107CE88}" type="datetime8">
               <a:rPr lang="en-US" smtClean="0"/>
               <a:pPr/>
-              <a:t>12/24/2020 10:58 AM</a:t>
+              <a:t>1/4/2021 2:16 PM</a:t>
             </a:fld>
             <a:endParaRPr lang="en-US" dirty="0"/>
           </a:p>
@@ -1953,7 +1953,7 @@
             <a:fld id="{EA116FA8-12ED-4DB7-9E1C-8D8E5107CE88}" type="datetime8">
               <a:rPr lang="en-US" smtClean="0"/>
               <a:pPr/>
-              <a:t>12/24/2020 10:58 AM</a:t>
+              <a:t>1/4/2021 2:16 PM</a:t>
             </a:fld>
             <a:endParaRPr lang="en-US" dirty="0"/>
           </a:p>
@@ -2262,7 +2262,7 @@
             <a:fld id="{EA116FA8-12ED-4DB7-9E1C-8D8E5107CE88}" type="datetime8">
               <a:rPr lang="en-US" smtClean="0"/>
               <a:pPr/>
-              <a:t>12/24/2020 10:58 AM</a:t>
+              <a:t>1/4/2021 2:16 PM</a:t>
             </a:fld>
             <a:endParaRPr lang="en-US" dirty="0"/>
           </a:p>
@@ -2718,7 +2718,7 @@
             <a:fld id="{EA116FA8-12ED-4DB7-9E1C-8D8E5107CE88}" type="datetime8">
               <a:rPr lang="en-US" smtClean="0"/>
               <a:pPr/>
-              <a:t>12/24/2020 10:58 AM</a:t>
+              <a:t>1/4/2021 2:16 PM</a:t>
             </a:fld>
             <a:endParaRPr lang="en-US" dirty="0"/>
           </a:p>
@@ -2903,7 +2903,7 @@
             <a:fld id="{EA116FA8-12ED-4DB7-9E1C-8D8E5107CE88}" type="datetime8">
               <a:rPr lang="en-US" smtClean="0"/>
               <a:pPr/>
-              <a:t>12/24/2020 10:58 AM</a:t>
+              <a:t>1/4/2021 2:16 PM</a:t>
             </a:fld>
             <a:endParaRPr lang="en-US" dirty="0"/>
           </a:p>
@@ -3060,7 +3060,7 @@
             <a:fld id="{EA116FA8-12ED-4DB7-9E1C-8D8E5107CE88}" type="datetime8">
               <a:rPr lang="en-US" smtClean="0"/>
               <a:pPr/>
-              <a:t>12/24/2020 10:58 AM</a:t>
+              <a:t>1/4/2021 2:16 PM</a:t>
             </a:fld>
             <a:endParaRPr lang="en-US" dirty="0"/>
           </a:p>
@@ -3362,7 +3362,7 @@
             <a:fld id="{EA116FA8-12ED-4DB7-9E1C-8D8E5107CE88}" type="datetime8">
               <a:rPr lang="en-US" smtClean="0"/>
               <a:pPr/>
-              <a:t>12/24/2020 10:58 AM</a:t>
+              <a:t>1/4/2021 2:16 PM</a:t>
             </a:fld>
             <a:endParaRPr lang="en-US" dirty="0"/>
           </a:p>
@@ -3610,7 +3610,7 @@
             <a:fld id="{EA116FA8-12ED-4DB7-9E1C-8D8E5107CE88}" type="datetime8">
               <a:rPr lang="en-US" smtClean="0"/>
               <a:pPr/>
-              <a:t>12/24/2020 10:58 AM</a:t>
+              <a:t>1/4/2021 2:16 PM</a:t>
             </a:fld>
             <a:endParaRPr lang="en-US" dirty="0"/>
           </a:p>
@@ -3968,8 +3968,8 @@
         </p:blipFill>
         <p:spPr>
           <a:xfrm>
-            <a:off x="7487139" y="6197759"/>
-            <a:ext cx="548640" cy="548640"/>
+            <a:off x="7576793" y="6287413"/>
+            <a:ext cx="369332" cy="369332"/>
           </a:xfrm>
           <a:prstGeom prst="rect">
             <a:avLst/>
